--- a/Slides/Session 1.pptx
+++ b/Slides/Session 1.pptx
@@ -1511,506 +1511,6 @@
       <dsp:cNvGrpSpPr/>
     </dsp:nvGrpSpPr>
     <dsp:grpSpPr/>
-    <dsp:sp modelId="{99CCE16A-2A39-4A8B-86BA-BC1BD477CC9E}">
-      <dsp:nvSpPr>
-        <dsp:cNvPr id="0" name=""/>
-        <dsp:cNvSpPr/>
-      </dsp:nvSpPr>
-      <dsp:spPr>
-        <a:xfrm rot="5400000">
-          <a:off x="-208725" y="210723"/>
-          <a:ext cx="1391505" cy="974054"/>
-        </a:xfrm>
-        <a:prstGeom prst="chevron">
-          <a:avLst/>
-        </a:prstGeom>
-        <a:solidFill>
-          <a:schemeClr val="accent1">
-            <a:hueOff val="0"/>
-            <a:satOff val="0"/>
-            <a:lumOff val="0"/>
-            <a:alphaOff val="0"/>
-          </a:schemeClr>
-        </a:solidFill>
-        <a:ln w="25400" cap="flat" cmpd="sng" algn="ctr">
-          <a:solidFill>
-            <a:schemeClr val="accent1">
-              <a:hueOff val="0"/>
-              <a:satOff val="0"/>
-              <a:lumOff val="0"/>
-              <a:alphaOff val="0"/>
-            </a:schemeClr>
-          </a:solidFill>
-          <a:prstDash val="solid"/>
-        </a:ln>
-        <a:effectLst/>
-      </dsp:spPr>
-      <dsp:style>
-        <a:lnRef idx="2">
-          <a:scrgbClr r="0" g="0" b="0"/>
-        </a:lnRef>
-        <a:fillRef idx="1">
-          <a:scrgbClr r="0" g="0" b="0"/>
-        </a:fillRef>
-        <a:effectRef idx="0">
-          <a:scrgbClr r="0" g="0" b="0"/>
-        </a:effectRef>
-        <a:fontRef idx="minor">
-          <a:schemeClr val="lt1"/>
-        </a:fontRef>
-      </dsp:style>
-      <dsp:txBody>
-        <a:bodyPr spcFirstLastPara="0" vert="horz" wrap="square" lIns="9525" tIns="9525" rIns="9525" bIns="9525" numCol="1" spcCol="1270" anchor="ctr" anchorCtr="0">
-          <a:noAutofit/>
-        </a:bodyPr>
-        <a:lstStyle/>
-        <a:p>
-          <a:pPr lvl="0" algn="ctr" defTabSz="666750">
-            <a:lnSpc>
-              <a:spcPct val="90000"/>
-            </a:lnSpc>
-            <a:spcBef>
-              <a:spcPct val="0"/>
-            </a:spcBef>
-            <a:spcAft>
-              <a:spcPct val="35000"/>
-            </a:spcAft>
-          </a:pPr>
-          <a:r>
-            <a:rPr lang="en-US" sz="1500" kern="1200" dirty="0" smtClean="0"/>
-            <a:t>Input</a:t>
-          </a:r>
-          <a:endParaRPr lang="en-US" sz="1500" kern="1200" dirty="0"/>
-        </a:p>
-      </dsp:txBody>
-      <dsp:txXfrm rot="-5400000">
-        <a:off x="1" y="489024"/>
-        <a:ext cx="974054" cy="417451"/>
-      </dsp:txXfrm>
-    </dsp:sp>
-    <dsp:sp modelId="{042BE544-0F7F-4A80-A023-7DE89A5690DD}">
-      <dsp:nvSpPr>
-        <dsp:cNvPr id="0" name=""/>
-        <dsp:cNvSpPr/>
-      </dsp:nvSpPr>
-      <dsp:spPr>
-        <a:xfrm rot="5400000">
-          <a:off x="2892287" y="-1916235"/>
-          <a:ext cx="904478" cy="4740945"/>
-        </a:xfrm>
-        <a:prstGeom prst="round2SameRect">
-          <a:avLst/>
-        </a:prstGeom>
-        <a:solidFill>
-          <a:schemeClr val="lt1">
-            <a:alpha val="90000"/>
-            <a:hueOff val="0"/>
-            <a:satOff val="0"/>
-            <a:lumOff val="0"/>
-            <a:alphaOff val="0"/>
-          </a:schemeClr>
-        </a:solidFill>
-        <a:ln w="25400" cap="flat" cmpd="sng" algn="ctr">
-          <a:solidFill>
-            <a:schemeClr val="accent1">
-              <a:hueOff val="0"/>
-              <a:satOff val="0"/>
-              <a:lumOff val="0"/>
-              <a:alphaOff val="0"/>
-            </a:schemeClr>
-          </a:solidFill>
-          <a:prstDash val="solid"/>
-        </a:ln>
-        <a:effectLst/>
-      </dsp:spPr>
-      <dsp:style>
-        <a:lnRef idx="2">
-          <a:scrgbClr r="0" g="0" b="0"/>
-        </a:lnRef>
-        <a:fillRef idx="1">
-          <a:scrgbClr r="0" g="0" b="0"/>
-        </a:fillRef>
-        <a:effectRef idx="0">
-          <a:scrgbClr r="0" g="0" b="0"/>
-        </a:effectRef>
-        <a:fontRef idx="minor"/>
-      </dsp:style>
-      <dsp:txBody>
-        <a:bodyPr spcFirstLastPara="0" vert="horz" wrap="square" lIns="192024" tIns="17145" rIns="17145" bIns="17145" numCol="1" spcCol="1270" anchor="ctr" anchorCtr="0">
-          <a:noAutofit/>
-        </a:bodyPr>
-        <a:lstStyle/>
-        <a:p>
-          <a:pPr marL="228600" lvl="1" indent="-228600" algn="l" defTabSz="1200150">
-            <a:lnSpc>
-              <a:spcPct val="90000"/>
-            </a:lnSpc>
-            <a:spcBef>
-              <a:spcPct val="0"/>
-            </a:spcBef>
-            <a:spcAft>
-              <a:spcPct val="15000"/>
-            </a:spcAft>
-            <a:buChar char="••"/>
-          </a:pPr>
-          <a:r>
-            <a:rPr lang="en-US" sz="2700" kern="1200" dirty="0" smtClean="0"/>
-            <a:t>Data</a:t>
-          </a:r>
-          <a:endParaRPr lang="en-US" sz="2700" kern="1200" dirty="0"/>
-        </a:p>
-        <a:p>
-          <a:pPr marL="228600" lvl="1" indent="-228600" algn="l" defTabSz="1200150">
-            <a:lnSpc>
-              <a:spcPct val="90000"/>
-            </a:lnSpc>
-            <a:spcBef>
-              <a:spcPct val="0"/>
-            </a:spcBef>
-            <a:spcAft>
-              <a:spcPct val="15000"/>
-            </a:spcAft>
-            <a:buChar char="••"/>
-          </a:pPr>
-          <a:r>
-            <a:rPr lang="en-US" sz="2700" kern="1200" dirty="0" smtClean="0"/>
-            <a:t>Variables</a:t>
-          </a:r>
-          <a:endParaRPr lang="en-US" sz="2700" kern="1200" dirty="0"/>
-        </a:p>
-      </dsp:txBody>
-      <dsp:txXfrm rot="-5400000">
-        <a:off x="974054" y="46151"/>
-        <a:ext cx="4696792" cy="816172"/>
-      </dsp:txXfrm>
-    </dsp:sp>
-    <dsp:sp modelId="{1DE2E638-1ED4-4371-BBCE-A45603BCEA7F}">
-      <dsp:nvSpPr>
-        <dsp:cNvPr id="0" name=""/>
-        <dsp:cNvSpPr/>
-      </dsp:nvSpPr>
-      <dsp:spPr>
-        <a:xfrm rot="5400000">
-          <a:off x="-208725" y="1405272"/>
-          <a:ext cx="1391505" cy="974054"/>
-        </a:xfrm>
-        <a:prstGeom prst="chevron">
-          <a:avLst/>
-        </a:prstGeom>
-        <a:solidFill>
-          <a:schemeClr val="accent1">
-            <a:hueOff val="0"/>
-            <a:satOff val="0"/>
-            <a:lumOff val="0"/>
-            <a:alphaOff val="0"/>
-          </a:schemeClr>
-        </a:solidFill>
-        <a:ln w="25400" cap="flat" cmpd="sng" algn="ctr">
-          <a:solidFill>
-            <a:schemeClr val="accent1">
-              <a:hueOff val="0"/>
-              <a:satOff val="0"/>
-              <a:lumOff val="0"/>
-              <a:alphaOff val="0"/>
-            </a:schemeClr>
-          </a:solidFill>
-          <a:prstDash val="solid"/>
-        </a:ln>
-        <a:effectLst/>
-      </dsp:spPr>
-      <dsp:style>
-        <a:lnRef idx="2">
-          <a:scrgbClr r="0" g="0" b="0"/>
-        </a:lnRef>
-        <a:fillRef idx="1">
-          <a:scrgbClr r="0" g="0" b="0"/>
-        </a:fillRef>
-        <a:effectRef idx="0">
-          <a:scrgbClr r="0" g="0" b="0"/>
-        </a:effectRef>
-        <a:fontRef idx="minor">
-          <a:schemeClr val="lt1"/>
-        </a:fontRef>
-      </dsp:style>
-      <dsp:txBody>
-        <a:bodyPr spcFirstLastPara="0" vert="horz" wrap="square" lIns="9525" tIns="9525" rIns="9525" bIns="9525" numCol="1" spcCol="1270" anchor="ctr" anchorCtr="0">
-          <a:noAutofit/>
-        </a:bodyPr>
-        <a:lstStyle/>
-        <a:p>
-          <a:pPr lvl="0" algn="ctr" defTabSz="666750">
-            <a:lnSpc>
-              <a:spcPct val="90000"/>
-            </a:lnSpc>
-            <a:spcBef>
-              <a:spcPct val="0"/>
-            </a:spcBef>
-            <a:spcAft>
-              <a:spcPct val="35000"/>
-            </a:spcAft>
-          </a:pPr>
-          <a:r>
-            <a:rPr lang="en-US" sz="1500" kern="1200" dirty="0" smtClean="0"/>
-            <a:t>Processing</a:t>
-          </a:r>
-          <a:endParaRPr lang="en-US" sz="1500" kern="1200" dirty="0"/>
-        </a:p>
-      </dsp:txBody>
-      <dsp:txXfrm rot="-5400000">
-        <a:off x="1" y="1683573"/>
-        <a:ext cx="974054" cy="417451"/>
-      </dsp:txXfrm>
-    </dsp:sp>
-    <dsp:sp modelId="{5B57B39D-9856-47A2-BC35-BF4A32272509}">
-      <dsp:nvSpPr>
-        <dsp:cNvPr id="0" name=""/>
-        <dsp:cNvSpPr/>
-      </dsp:nvSpPr>
-      <dsp:spPr>
-        <a:xfrm rot="5400000">
-          <a:off x="2892287" y="-721686"/>
-          <a:ext cx="904478" cy="4740945"/>
-        </a:xfrm>
-        <a:prstGeom prst="round2SameRect">
-          <a:avLst/>
-        </a:prstGeom>
-        <a:solidFill>
-          <a:schemeClr val="lt1">
-            <a:alpha val="90000"/>
-            <a:hueOff val="0"/>
-            <a:satOff val="0"/>
-            <a:lumOff val="0"/>
-            <a:alphaOff val="0"/>
-          </a:schemeClr>
-        </a:solidFill>
-        <a:ln w="25400" cap="flat" cmpd="sng" algn="ctr">
-          <a:solidFill>
-            <a:schemeClr val="accent1">
-              <a:hueOff val="0"/>
-              <a:satOff val="0"/>
-              <a:lumOff val="0"/>
-              <a:alphaOff val="0"/>
-            </a:schemeClr>
-          </a:solidFill>
-          <a:prstDash val="solid"/>
-        </a:ln>
-        <a:effectLst/>
-      </dsp:spPr>
-      <dsp:style>
-        <a:lnRef idx="2">
-          <a:scrgbClr r="0" g="0" b="0"/>
-        </a:lnRef>
-        <a:fillRef idx="1">
-          <a:scrgbClr r="0" g="0" b="0"/>
-        </a:fillRef>
-        <a:effectRef idx="0">
-          <a:scrgbClr r="0" g="0" b="0"/>
-        </a:effectRef>
-        <a:fontRef idx="minor"/>
-      </dsp:style>
-      <dsp:txBody>
-        <a:bodyPr spcFirstLastPara="0" vert="horz" wrap="square" lIns="192024" tIns="17145" rIns="17145" bIns="17145" numCol="1" spcCol="1270" anchor="ctr" anchorCtr="0">
-          <a:noAutofit/>
-        </a:bodyPr>
-        <a:lstStyle/>
-        <a:p>
-          <a:pPr marL="228600" lvl="1" indent="-228600" algn="l" defTabSz="1200150">
-            <a:lnSpc>
-              <a:spcPct val="90000"/>
-            </a:lnSpc>
-            <a:spcBef>
-              <a:spcPct val="0"/>
-            </a:spcBef>
-            <a:spcAft>
-              <a:spcPct val="15000"/>
-            </a:spcAft>
-            <a:buChar char="••"/>
-          </a:pPr>
-          <a:r>
-            <a:rPr lang="en-US" sz="2700" kern="1200" dirty="0" smtClean="0"/>
-            <a:t>Algorithms</a:t>
-          </a:r>
-          <a:endParaRPr lang="en-US" sz="2700" kern="1200" dirty="0"/>
-        </a:p>
-        <a:p>
-          <a:pPr marL="228600" lvl="1" indent="-228600" algn="l" defTabSz="1200150">
-            <a:lnSpc>
-              <a:spcPct val="90000"/>
-            </a:lnSpc>
-            <a:spcBef>
-              <a:spcPct val="0"/>
-            </a:spcBef>
-            <a:spcAft>
-              <a:spcPct val="15000"/>
-            </a:spcAft>
-            <a:buChar char="••"/>
-          </a:pPr>
-          <a:r>
-            <a:rPr lang="en-US" sz="2700" kern="1200" dirty="0" smtClean="0"/>
-            <a:t>Processes</a:t>
-          </a:r>
-          <a:endParaRPr lang="en-US" sz="2700" kern="1200" dirty="0"/>
-        </a:p>
-      </dsp:txBody>
-      <dsp:txXfrm rot="-5400000">
-        <a:off x="974054" y="1240700"/>
-        <a:ext cx="4696792" cy="816172"/>
-      </dsp:txXfrm>
-    </dsp:sp>
-    <dsp:sp modelId="{52AB69F6-F80A-4FBE-9675-2B86A3BE37CB}">
-      <dsp:nvSpPr>
-        <dsp:cNvPr id="0" name=""/>
-        <dsp:cNvSpPr/>
-      </dsp:nvSpPr>
-      <dsp:spPr>
-        <a:xfrm rot="5400000">
-          <a:off x="-208725" y="2599822"/>
-          <a:ext cx="1391505" cy="974054"/>
-        </a:xfrm>
-        <a:prstGeom prst="chevron">
-          <a:avLst/>
-        </a:prstGeom>
-        <a:solidFill>
-          <a:schemeClr val="accent1">
-            <a:hueOff val="0"/>
-            <a:satOff val="0"/>
-            <a:lumOff val="0"/>
-            <a:alphaOff val="0"/>
-          </a:schemeClr>
-        </a:solidFill>
-        <a:ln w="25400" cap="flat" cmpd="sng" algn="ctr">
-          <a:solidFill>
-            <a:schemeClr val="accent1">
-              <a:hueOff val="0"/>
-              <a:satOff val="0"/>
-              <a:lumOff val="0"/>
-              <a:alphaOff val="0"/>
-            </a:schemeClr>
-          </a:solidFill>
-          <a:prstDash val="solid"/>
-        </a:ln>
-        <a:effectLst/>
-      </dsp:spPr>
-      <dsp:style>
-        <a:lnRef idx="2">
-          <a:scrgbClr r="0" g="0" b="0"/>
-        </a:lnRef>
-        <a:fillRef idx="1">
-          <a:scrgbClr r="0" g="0" b="0"/>
-        </a:fillRef>
-        <a:effectRef idx="0">
-          <a:scrgbClr r="0" g="0" b="0"/>
-        </a:effectRef>
-        <a:fontRef idx="minor">
-          <a:schemeClr val="lt1"/>
-        </a:fontRef>
-      </dsp:style>
-      <dsp:txBody>
-        <a:bodyPr spcFirstLastPara="0" vert="horz" wrap="square" lIns="9525" tIns="9525" rIns="9525" bIns="9525" numCol="1" spcCol="1270" anchor="ctr" anchorCtr="0">
-          <a:noAutofit/>
-        </a:bodyPr>
-        <a:lstStyle/>
-        <a:p>
-          <a:pPr lvl="0" algn="ctr" defTabSz="666750">
-            <a:lnSpc>
-              <a:spcPct val="90000"/>
-            </a:lnSpc>
-            <a:spcBef>
-              <a:spcPct val="0"/>
-            </a:spcBef>
-            <a:spcAft>
-              <a:spcPct val="35000"/>
-            </a:spcAft>
-          </a:pPr>
-          <a:r>
-            <a:rPr lang="en-US" sz="1500" kern="1200" dirty="0" smtClean="0"/>
-            <a:t>Output</a:t>
-          </a:r>
-          <a:endParaRPr lang="en-US" sz="1500" kern="1200" dirty="0"/>
-        </a:p>
-      </dsp:txBody>
-      <dsp:txXfrm rot="-5400000">
-        <a:off x="1" y="2878123"/>
-        <a:ext cx="974054" cy="417451"/>
-      </dsp:txXfrm>
-    </dsp:sp>
-    <dsp:sp modelId="{47DFDDC0-A0FC-43D0-BD76-2DA4A98878CB}">
-      <dsp:nvSpPr>
-        <dsp:cNvPr id="0" name=""/>
-        <dsp:cNvSpPr/>
-      </dsp:nvSpPr>
-      <dsp:spPr>
-        <a:xfrm rot="5400000">
-          <a:off x="2892287" y="443964"/>
-          <a:ext cx="904478" cy="4740945"/>
-        </a:xfrm>
-        <a:prstGeom prst="round2SameRect">
-          <a:avLst/>
-        </a:prstGeom>
-        <a:solidFill>
-          <a:schemeClr val="lt1">
-            <a:alpha val="90000"/>
-            <a:hueOff val="0"/>
-            <a:satOff val="0"/>
-            <a:lumOff val="0"/>
-            <a:alphaOff val="0"/>
-          </a:schemeClr>
-        </a:solidFill>
-        <a:ln w="25400" cap="flat" cmpd="sng" algn="ctr">
-          <a:solidFill>
-            <a:schemeClr val="accent1">
-              <a:hueOff val="0"/>
-              <a:satOff val="0"/>
-              <a:lumOff val="0"/>
-              <a:alphaOff val="0"/>
-            </a:schemeClr>
-          </a:solidFill>
-          <a:prstDash val="solid"/>
-        </a:ln>
-        <a:effectLst/>
-      </dsp:spPr>
-      <dsp:style>
-        <a:lnRef idx="2">
-          <a:scrgbClr r="0" g="0" b="0"/>
-        </a:lnRef>
-        <a:fillRef idx="1">
-          <a:scrgbClr r="0" g="0" b="0"/>
-        </a:fillRef>
-        <a:effectRef idx="0">
-          <a:scrgbClr r="0" g="0" b="0"/>
-        </a:effectRef>
-        <a:fontRef idx="minor"/>
-      </dsp:style>
-      <dsp:txBody>
-        <a:bodyPr spcFirstLastPara="0" vert="horz" wrap="square" lIns="192024" tIns="17145" rIns="17145" bIns="17145" numCol="1" spcCol="1270" anchor="ctr" anchorCtr="0">
-          <a:noAutofit/>
-        </a:bodyPr>
-        <a:lstStyle/>
-        <a:p>
-          <a:pPr marL="228600" lvl="1" indent="-228600" algn="l" defTabSz="1200150">
-            <a:lnSpc>
-              <a:spcPct val="90000"/>
-            </a:lnSpc>
-            <a:spcBef>
-              <a:spcPct val="0"/>
-            </a:spcBef>
-            <a:spcAft>
-              <a:spcPct val="15000"/>
-            </a:spcAft>
-            <a:buChar char="••"/>
-          </a:pPr>
-          <a:r>
-            <a:rPr lang="en-US" sz="2700" kern="1200" dirty="0" smtClean="0"/>
-            <a:t>Processed data</a:t>
-          </a:r>
-          <a:endParaRPr lang="en-US" sz="2700" kern="1200" dirty="0"/>
-        </a:p>
-      </dsp:txBody>
-      <dsp:txXfrm rot="-5400000">
-        <a:off x="974054" y="2406351"/>
-        <a:ext cx="4696792" cy="816172"/>
-      </dsp:txXfrm>
-    </dsp:sp>
   </dsp:spTree>
 </dsp:drawing>
 </file>
@@ -46792,8 +46292,33 @@
             </a:pPr>
             <a:r>
               <a:rPr lang="en" sz="1800" dirty="0"/>
-              <a:t>You can find me at:</a:t>
+              <a:t>You can find me at</a:t>
             </a:r>
+            <a:r>
+              <a:rPr lang="en" sz="1800" dirty="0" smtClean="0"/>
+              <a:t>:</a:t>
+            </a:r>
+          </a:p>
+          <a:p>
+            <a:pPr lvl="0">
+              <a:spcBef>
+                <a:spcPts val="0"/>
+              </a:spcBef>
+              <a:buClr>
+                <a:schemeClr val="dk1"/>
+              </a:buClr>
+              <a:buSzPct val="61111"/>
+              <a:buNone/>
+            </a:pPr>
+            <a:r>
+              <a:rPr lang="en" sz="1800" dirty="0" smtClean="0"/>
+              <a:t>@web: </a:t>
+            </a:r>
+            <a:r>
+              <a:rPr lang="en-US" sz="1800" dirty="0"/>
+              <a:t>http://vladbutnaru.com/</a:t>
+            </a:r>
+            <a:endParaRPr lang="en" sz="1800" dirty="0"/>
           </a:p>
           <a:p>
             <a:pPr lvl="0" rtl="0">
